--- a/Documentation/Slides.pptx
+++ b/Documentation/Slides.pptx
@@ -5,10 +5,10 @@
     <p:sldMasterId id="2147483686" r:id="rId4"/>
   </p:sldMasterIdLst>
   <p:notesMasterIdLst>
-    <p:notesMasterId r:id="rId15"/>
+    <p:notesMasterId r:id="rId17"/>
   </p:notesMasterIdLst>
   <p:handoutMasterIdLst>
-    <p:handoutMasterId r:id="rId16"/>
+    <p:handoutMasterId r:id="rId18"/>
   </p:handoutMasterIdLst>
   <p:sldIdLst>
     <p:sldId id="315" r:id="rId5"/>
@@ -20,7 +20,9 @@
     <p:sldId id="318" r:id="rId11"/>
     <p:sldId id="319" r:id="rId12"/>
     <p:sldId id="313" r:id="rId13"/>
-    <p:sldId id="295" r:id="rId14"/>
+    <p:sldId id="320" r:id="rId14"/>
+    <p:sldId id="321" r:id="rId15"/>
+    <p:sldId id="295" r:id="rId16"/>
   </p:sldIdLst>
   <p:sldSz cx="12192000" cy="6858000"/>
   <p:notesSz cx="6858000" cy="9144000"/>
@@ -231,7 +233,7 @@
           <a:p>
             <a:fld id="{367A1AC4-3AE8-4F87-AAED-904EC6054702}" type="datetimeFigureOut">
               <a:rPr lang="en-US" smtClean="0"/>
-              <a:t>4/30/2024</a:t>
+              <a:t>5/5/2024</a:t>
             </a:fld>
             <a:endParaRPr lang="en-US" dirty="0"/>
           </a:p>
@@ -408,7 +410,7 @@
           <a:p>
             <a:fld id="{C5556653-6123-4FE4-861F-5F9583BF59B0}" type="datetimeFigureOut">
               <a:rPr lang="en-US" smtClean="0"/>
-              <a:t>4/30/2024</a:t>
+              <a:t>5/5/2024</a:t>
             </a:fld>
             <a:endParaRPr lang="en-US" dirty="0"/>
           </a:p>
@@ -803,6 +805,174 @@
           <a:bodyPr/>
           <a:lstStyle/>
           <a:p>
+            <a:endParaRPr lang="en-US" dirty="0"/>
+          </a:p>
+        </p:txBody>
+      </p:sp>
+      <p:sp>
+        <p:nvSpPr>
+          <p:cNvPr id="4" name="Slide Number Placeholder 3"/>
+          <p:cNvSpPr>
+            <a:spLocks noGrp="1"/>
+          </p:cNvSpPr>
+          <p:nvPr>
+            <p:ph type="sldNum" sz="quarter" idx="5"/>
+          </p:nvPr>
+        </p:nvSpPr>
+        <p:spPr/>
+        <p:txBody>
+          <a:bodyPr/>
+          <a:lstStyle/>
+          <a:p>
+            <a:fld id="{54EEB602-95FC-483A-B12D-216A7AD7EA24}" type="slidenum">
+              <a:rPr lang="en-US" smtClean="0"/>
+              <a:t>10</a:t>
+            </a:fld>
+            <a:endParaRPr lang="en-US" dirty="0"/>
+          </a:p>
+        </p:txBody>
+      </p:sp>
+    </p:spTree>
+    <p:extLst>
+      <p:ext uri="{BB962C8B-B14F-4D97-AF65-F5344CB8AC3E}">
+        <p14:creationId xmlns:p14="http://schemas.microsoft.com/office/powerpoint/2010/main" val="373049765"/>
+      </p:ext>
+    </p:extLst>
+  </p:cSld>
+  <p:clrMapOvr>
+    <a:masterClrMapping/>
+  </p:clrMapOvr>
+</p:notes>
+</file>
+
+<file path=ppt/notesSlides/notesSlide11.xml><?xml version="1.0" encoding="utf-8"?>
+<p:notes xmlns:a="http://schemas.openxmlformats.org/drawingml/2006/main" xmlns:r="http://schemas.openxmlformats.org/officeDocument/2006/relationships" xmlns:p="http://schemas.openxmlformats.org/presentationml/2006/main">
+  <p:cSld>
+    <p:spTree>
+      <p:nvGrpSpPr>
+        <p:cNvPr id="1" name=""/>
+        <p:cNvGrpSpPr/>
+        <p:nvPr/>
+      </p:nvGrpSpPr>
+      <p:grpSpPr>
+        <a:xfrm>
+          <a:off x="0" y="0"/>
+          <a:ext cx="0" cy="0"/>
+          <a:chOff x="0" y="0"/>
+          <a:chExt cx="0" cy="0"/>
+        </a:xfrm>
+      </p:grpSpPr>
+      <p:sp>
+        <p:nvSpPr>
+          <p:cNvPr id="2" name="Slide Image Placeholder 1"/>
+          <p:cNvSpPr>
+            <a:spLocks noGrp="1" noRot="1" noChangeAspect="1"/>
+          </p:cNvSpPr>
+          <p:nvPr>
+            <p:ph type="sldImg"/>
+          </p:nvPr>
+        </p:nvSpPr>
+        <p:spPr/>
+      </p:sp>
+      <p:sp>
+        <p:nvSpPr>
+          <p:cNvPr id="3" name="Notes Placeholder 2"/>
+          <p:cNvSpPr>
+            <a:spLocks noGrp="1"/>
+          </p:cNvSpPr>
+          <p:nvPr>
+            <p:ph type="body" idx="1"/>
+          </p:nvPr>
+        </p:nvSpPr>
+        <p:spPr/>
+        <p:txBody>
+          <a:bodyPr/>
+          <a:lstStyle/>
+          <a:p>
+            <a:endParaRPr lang="en-US" dirty="0"/>
+          </a:p>
+        </p:txBody>
+      </p:sp>
+      <p:sp>
+        <p:nvSpPr>
+          <p:cNvPr id="4" name="Slide Number Placeholder 3"/>
+          <p:cNvSpPr>
+            <a:spLocks noGrp="1"/>
+          </p:cNvSpPr>
+          <p:nvPr>
+            <p:ph type="sldNum" sz="quarter" idx="5"/>
+          </p:nvPr>
+        </p:nvSpPr>
+        <p:spPr/>
+        <p:txBody>
+          <a:bodyPr/>
+          <a:lstStyle/>
+          <a:p>
+            <a:fld id="{54EEB602-95FC-483A-B12D-216A7AD7EA24}" type="slidenum">
+              <a:rPr lang="en-US" smtClean="0"/>
+              <a:t>11</a:t>
+            </a:fld>
+            <a:endParaRPr lang="en-US" dirty="0"/>
+          </a:p>
+        </p:txBody>
+      </p:sp>
+    </p:spTree>
+    <p:extLst>
+      <p:ext uri="{BB962C8B-B14F-4D97-AF65-F5344CB8AC3E}">
+        <p14:creationId xmlns:p14="http://schemas.microsoft.com/office/powerpoint/2010/main" val="595734902"/>
+      </p:ext>
+    </p:extLst>
+  </p:cSld>
+  <p:clrMapOvr>
+    <a:masterClrMapping/>
+  </p:clrMapOvr>
+</p:notes>
+</file>
+
+<file path=ppt/notesSlides/notesSlide12.xml><?xml version="1.0" encoding="utf-8"?>
+<p:notes xmlns:a="http://schemas.openxmlformats.org/drawingml/2006/main" xmlns:r="http://schemas.openxmlformats.org/officeDocument/2006/relationships" xmlns:p="http://schemas.openxmlformats.org/presentationml/2006/main">
+  <p:cSld>
+    <p:spTree>
+      <p:nvGrpSpPr>
+        <p:cNvPr id="1" name=""/>
+        <p:cNvGrpSpPr/>
+        <p:nvPr/>
+      </p:nvGrpSpPr>
+      <p:grpSpPr>
+        <a:xfrm>
+          <a:off x="0" y="0"/>
+          <a:ext cx="0" cy="0"/>
+          <a:chOff x="0" y="0"/>
+          <a:chExt cx="0" cy="0"/>
+        </a:xfrm>
+      </p:grpSpPr>
+      <p:sp>
+        <p:nvSpPr>
+          <p:cNvPr id="2" name="Slide Image Placeholder 1"/>
+          <p:cNvSpPr>
+            <a:spLocks noGrp="1" noRot="1" noChangeAspect="1"/>
+          </p:cNvSpPr>
+          <p:nvPr>
+            <p:ph type="sldImg"/>
+          </p:nvPr>
+        </p:nvSpPr>
+        <p:spPr/>
+      </p:sp>
+      <p:sp>
+        <p:nvSpPr>
+          <p:cNvPr id="3" name="Notes Placeholder 2"/>
+          <p:cNvSpPr>
+            <a:spLocks noGrp="1"/>
+          </p:cNvSpPr>
+          <p:nvPr>
+            <p:ph type="body" idx="1"/>
+          </p:nvPr>
+        </p:nvSpPr>
+        <p:spPr/>
+        <p:txBody>
+          <a:bodyPr/>
+          <a:lstStyle/>
+          <a:p>
             <a:pPr marL="0" marR="0" lvl="0" indent="0" algn="l" defTabSz="914400" rtl="0" eaLnBrk="1" fontAlgn="auto" latinLnBrk="0" hangingPunct="1">
               <a:lnSpc>
                 <a:spcPct val="100000"/>
@@ -841,7 +1011,7 @@
           <a:p>
             <a:fld id="{F07F282E-55F5-4803-B60F-09BA4600E538}" type="slidenum">
               <a:rPr lang="en-US" smtClean="0"/>
-              <a:t>10</a:t>
+              <a:t>12</a:t>
             </a:fld>
             <a:endParaRPr lang="en-US" dirty="0"/>
           </a:p>
@@ -8733,7 +8903,7 @@
           <a:p>
             <a:fld id="{005CD215-1C45-48A0-8534-39FFE8A7C95A}" type="datetime1">
               <a:rPr lang="en-US" smtClean="0"/>
-              <a:t>4/30/2024</a:t>
+              <a:t>5/5/2024</a:t>
             </a:fld>
             <a:endParaRPr lang="en-US" dirty="0"/>
           </a:p>
@@ -11069,6 +11239,1504 @@
 </file>
 
 <file path=ppt/slides/slide10.xml><?xml version="1.0" encoding="utf-8"?>
+<p:sld xmlns:a="http://schemas.openxmlformats.org/drawingml/2006/main" xmlns:r="http://schemas.openxmlformats.org/officeDocument/2006/relationships" xmlns:p="http://schemas.openxmlformats.org/presentationml/2006/main">
+  <p:cSld>
+    <p:bg>
+      <p:bgPr>
+        <a:solidFill>
+          <a:schemeClr val="bg2"/>
+        </a:solidFill>
+        <a:effectLst/>
+      </p:bgPr>
+    </p:bg>
+    <p:spTree>
+      <p:nvGrpSpPr>
+        <p:cNvPr id="1" name=""/>
+        <p:cNvGrpSpPr/>
+        <p:nvPr/>
+      </p:nvGrpSpPr>
+      <p:grpSpPr>
+        <a:xfrm>
+          <a:off x="0" y="0"/>
+          <a:ext cx="0" cy="0"/>
+          <a:chOff x="0" y="0"/>
+          <a:chExt cx="0" cy="0"/>
+        </a:xfrm>
+      </p:grpSpPr>
+      <p:sp>
+        <p:nvSpPr>
+          <p:cNvPr id="36" name="Rectangle 35">
+            <a:extLst>
+              <a:ext uri="{FF2B5EF4-FFF2-40B4-BE49-F238E27FC236}">
+                <a16:creationId xmlns:a16="http://schemas.microsoft.com/office/drawing/2014/main" id="{0786F82F-1B47-46ED-8EAE-53EF71E59E9A}"/>
+              </a:ext>
+              <a:ext uri="{C183D7F6-B498-43B3-948B-1728B52AA6E4}">
+                <adec:decorative xmlns:adec="http://schemas.microsoft.com/office/drawing/2017/decorative" val="1"/>
+              </a:ext>
+            </a:extLst>
+          </p:cNvPr>
+          <p:cNvSpPr>
+            <a:spLocks noGrp="1" noRot="1" noChangeAspect="1" noMove="1" noResize="1" noEditPoints="1" noAdjustHandles="1" noChangeArrowheads="1" noChangeShapeType="1" noTextEdit="1"/>
+          </p:cNvSpPr>
+          <p:nvPr>
+            <p:extLst>
+              <p:ext uri="{386F3935-93C4-4BCD-93E2-E3B085C9AB24}">
+                <p16:designElem xmlns:p16="http://schemas.microsoft.com/office/powerpoint/2015/main" val="1"/>
+              </p:ext>
+            </p:extLst>
+          </p:nvPr>
+        </p:nvSpPr>
+        <p:spPr>
+          <a:xfrm>
+            <a:off x="4718302" y="0"/>
+            <a:ext cx="7473698" cy="6858000"/>
+          </a:xfrm>
+          <a:prstGeom prst="rect">
+            <a:avLst/>
+          </a:prstGeom>
+          <a:solidFill>
+            <a:schemeClr val="bg1">
+              <a:alpha val="75000"/>
+            </a:schemeClr>
+          </a:solidFill>
+          <a:ln>
+            <a:noFill/>
+          </a:ln>
+        </p:spPr>
+        <p:style>
+          <a:lnRef idx="2">
+            <a:schemeClr val="accent1">
+              <a:shade val="50000"/>
+            </a:schemeClr>
+          </a:lnRef>
+          <a:fillRef idx="1">
+            <a:schemeClr val="accent1"/>
+          </a:fillRef>
+          <a:effectRef idx="0">
+            <a:schemeClr val="accent1"/>
+          </a:effectRef>
+          <a:fontRef idx="minor">
+            <a:schemeClr val="lt1"/>
+          </a:fontRef>
+        </p:style>
+        <p:txBody>
+          <a:bodyPr rtlCol="0" anchor="ctr"/>
+          <a:lstStyle/>
+          <a:p>
+            <a:pPr algn="ctr"/>
+            <a:endParaRPr lang="en-US"/>
+          </a:p>
+        </p:txBody>
+      </p:sp>
+      <p:sp>
+        <p:nvSpPr>
+          <p:cNvPr id="38" name="Rectangle 37">
+            <a:extLst>
+              <a:ext uri="{FF2B5EF4-FFF2-40B4-BE49-F238E27FC236}">
+                <a16:creationId xmlns:a16="http://schemas.microsoft.com/office/drawing/2014/main" id="{EF1BAF6F-6275-4646-9C59-331B29B9550F}"/>
+              </a:ext>
+              <a:ext uri="{C183D7F6-B498-43B3-948B-1728B52AA6E4}">
+                <adec:decorative xmlns:adec="http://schemas.microsoft.com/office/drawing/2017/decorative" val="1"/>
+              </a:ext>
+            </a:extLst>
+          </p:cNvPr>
+          <p:cNvSpPr>
+            <a:spLocks noGrp="1" noRot="1" noChangeAspect="1" noMove="1" noResize="1" noEditPoints="1" noAdjustHandles="1" noChangeArrowheads="1" noChangeShapeType="1" noTextEdit="1"/>
+          </p:cNvSpPr>
+          <p:nvPr>
+            <p:extLst>
+              <p:ext uri="{386F3935-93C4-4BCD-93E2-E3B085C9AB24}">
+                <p16:designElem xmlns:p16="http://schemas.microsoft.com/office/powerpoint/2015/main" val="1"/>
+              </p:ext>
+            </p:extLst>
+          </p:nvPr>
+        </p:nvSpPr>
+        <p:spPr>
+          <a:xfrm rot="5400000">
+            <a:off x="1257298" y="3396997"/>
+            <a:ext cx="6858002" cy="64008"/>
+          </a:xfrm>
+          <a:prstGeom prst="rect">
+            <a:avLst/>
+          </a:prstGeom>
+          <a:solidFill>
+            <a:schemeClr val="tx2"/>
+          </a:solidFill>
+          <a:ln>
+            <a:noFill/>
+          </a:ln>
+        </p:spPr>
+        <p:style>
+          <a:lnRef idx="2">
+            <a:schemeClr val="accent1">
+              <a:shade val="50000"/>
+            </a:schemeClr>
+          </a:lnRef>
+          <a:fillRef idx="1">
+            <a:schemeClr val="accent1"/>
+          </a:fillRef>
+          <a:effectRef idx="0">
+            <a:schemeClr val="accent1"/>
+          </a:effectRef>
+          <a:fontRef idx="minor">
+            <a:schemeClr val="lt1"/>
+          </a:fontRef>
+        </p:style>
+        <p:txBody>
+          <a:bodyPr rtlCol="0" anchor="ctr"/>
+          <a:lstStyle/>
+          <a:p>
+            <a:pPr algn="ctr"/>
+            <a:endParaRPr lang="en-US"/>
+          </a:p>
+        </p:txBody>
+      </p:sp>
+      <p:sp useBgFill="1">
+        <p:nvSpPr>
+          <p:cNvPr id="40" name="Rectangle 39">
+            <a:extLst>
+              <a:ext uri="{FF2B5EF4-FFF2-40B4-BE49-F238E27FC236}">
+                <a16:creationId xmlns:a16="http://schemas.microsoft.com/office/drawing/2014/main" id="{099405E2-1A96-4DBA-A9DC-4C2A1B421CA9}"/>
+              </a:ext>
+              <a:ext uri="{C183D7F6-B498-43B3-948B-1728B52AA6E4}">
+                <adec:decorative xmlns:adec="http://schemas.microsoft.com/office/drawing/2017/decorative" val="1"/>
+              </a:ext>
+            </a:extLst>
+          </p:cNvPr>
+          <p:cNvSpPr>
+            <a:spLocks noGrp="1" noRot="1" noChangeAspect="1" noMove="1" noResize="1" noEditPoints="1" noAdjustHandles="1" noChangeArrowheads="1" noChangeShapeType="1" noTextEdit="1"/>
+          </p:cNvSpPr>
+          <p:nvPr>
+            <p:extLst>
+              <p:ext uri="{386F3935-93C4-4BCD-93E2-E3B085C9AB24}">
+                <p16:designElem xmlns:p16="http://schemas.microsoft.com/office/powerpoint/2015/main" val="1"/>
+              </p:ext>
+            </p:extLst>
+          </p:nvPr>
+        </p:nvSpPr>
+        <p:spPr>
+          <a:xfrm flipH="1">
+            <a:off x="0" y="0"/>
+            <a:ext cx="12192001" cy="6858000"/>
+          </a:xfrm>
+          <a:prstGeom prst="rect">
+            <a:avLst/>
+          </a:prstGeom>
+          <a:ln>
+            <a:noFill/>
+          </a:ln>
+        </p:spPr>
+        <p:style>
+          <a:lnRef idx="2">
+            <a:schemeClr val="accent1">
+              <a:shade val="50000"/>
+            </a:schemeClr>
+          </a:lnRef>
+          <a:fillRef idx="1">
+            <a:schemeClr val="accent1"/>
+          </a:fillRef>
+          <a:effectRef idx="0">
+            <a:schemeClr val="accent1"/>
+          </a:effectRef>
+          <a:fontRef idx="minor">
+            <a:schemeClr val="lt1"/>
+          </a:fontRef>
+        </p:style>
+        <p:txBody>
+          <a:bodyPr rtlCol="0" anchor="ctr"/>
+          <a:lstStyle/>
+          <a:p>
+            <a:pPr algn="ctr"/>
+            <a:endParaRPr lang="en-US" dirty="0"/>
+          </a:p>
+        </p:txBody>
+      </p:sp>
+      <p:sp>
+        <p:nvSpPr>
+          <p:cNvPr id="42" name="Rectangle 41">
+            <a:extLst>
+              <a:ext uri="{FF2B5EF4-FFF2-40B4-BE49-F238E27FC236}">
+                <a16:creationId xmlns:a16="http://schemas.microsoft.com/office/drawing/2014/main" id="{79855050-A75B-4DD0-9B56-8B1C7722D884}"/>
+              </a:ext>
+              <a:ext uri="{C183D7F6-B498-43B3-948B-1728B52AA6E4}">
+                <adec:decorative xmlns:adec="http://schemas.microsoft.com/office/drawing/2017/decorative" val="1"/>
+              </a:ext>
+            </a:extLst>
+          </p:cNvPr>
+          <p:cNvSpPr>
+            <a:spLocks noGrp="1" noRot="1" noChangeAspect="1" noMove="1" noResize="1" noEditPoints="1" noAdjustHandles="1" noChangeArrowheads="1" noChangeShapeType="1" noTextEdit="1"/>
+          </p:cNvSpPr>
+          <p:nvPr>
+            <p:extLst>
+              <p:ext uri="{386F3935-93C4-4BCD-93E2-E3B085C9AB24}">
+                <p16:designElem xmlns:p16="http://schemas.microsoft.com/office/powerpoint/2015/main" val="1"/>
+              </p:ext>
+            </p:extLst>
+          </p:nvPr>
+        </p:nvSpPr>
+        <p:spPr>
+          <a:xfrm flipH="1">
+            <a:off x="-7235" y="758246"/>
+            <a:ext cx="4658480" cy="5386318"/>
+          </a:xfrm>
+          <a:prstGeom prst="rect">
+            <a:avLst/>
+          </a:prstGeom>
+          <a:solidFill>
+            <a:schemeClr val="bg1">
+              <a:alpha val="75000"/>
+            </a:schemeClr>
+          </a:solidFill>
+          <a:ln>
+            <a:noFill/>
+          </a:ln>
+        </p:spPr>
+        <p:style>
+          <a:lnRef idx="2">
+            <a:schemeClr val="accent1">
+              <a:shade val="50000"/>
+            </a:schemeClr>
+          </a:lnRef>
+          <a:fillRef idx="1">
+            <a:schemeClr val="accent1"/>
+          </a:fillRef>
+          <a:effectRef idx="0">
+            <a:schemeClr val="accent1"/>
+          </a:effectRef>
+          <a:fontRef idx="minor">
+            <a:schemeClr val="lt1"/>
+          </a:fontRef>
+        </p:style>
+        <p:txBody>
+          <a:bodyPr rtlCol="0" anchor="ctr"/>
+          <a:lstStyle/>
+          <a:p>
+            <a:pPr algn="ctr"/>
+            <a:endParaRPr lang="en-US"/>
+          </a:p>
+        </p:txBody>
+      </p:sp>
+      <p:sp>
+        <p:nvSpPr>
+          <p:cNvPr id="2" name="Title 1">
+            <a:extLst>
+              <a:ext uri="{FF2B5EF4-FFF2-40B4-BE49-F238E27FC236}">
+                <a16:creationId xmlns:a16="http://schemas.microsoft.com/office/drawing/2014/main" id="{E2D30E0F-10C6-298A-C347-E831FFF4ECB8}"/>
+              </a:ext>
+            </a:extLst>
+          </p:cNvPr>
+          <p:cNvSpPr>
+            <a:spLocks noGrp="1"/>
+          </p:cNvSpPr>
+          <p:nvPr>
+            <p:ph type="title"/>
+          </p:nvPr>
+        </p:nvSpPr>
+        <p:spPr>
+          <a:xfrm>
+            <a:off x="516490" y="2494691"/>
+            <a:ext cx="3611029" cy="1862345"/>
+          </a:xfrm>
+        </p:spPr>
+        <p:txBody>
+          <a:bodyPr vert="horz" lIns="109728" tIns="109728" rIns="109728" bIns="91440" rtlCol="0" anchor="ctr">
+            <a:normAutofit/>
+          </a:bodyPr>
+          <a:lstStyle/>
+          <a:p>
+            <a:pPr>
+              <a:lnSpc>
+                <a:spcPct val="150000"/>
+              </a:lnSpc>
+            </a:pPr>
+            <a:r>
+              <a:rPr lang="en-US" sz="3300" dirty="0">
+                <a:solidFill>
+                  <a:schemeClr val="tx1">
+                    <a:lumMod val="75000"/>
+                    <a:lumOff val="25000"/>
+                  </a:schemeClr>
+                </a:solidFill>
+              </a:rPr>
+              <a:t>Graph Visualization</a:t>
+            </a:r>
+          </a:p>
+        </p:txBody>
+      </p:sp>
+      <p:sp>
+        <p:nvSpPr>
+          <p:cNvPr id="44" name="Rectangle 43">
+            <a:extLst>
+              <a:ext uri="{FF2B5EF4-FFF2-40B4-BE49-F238E27FC236}">
+                <a16:creationId xmlns:a16="http://schemas.microsoft.com/office/drawing/2014/main" id="{2060C0F7-61A6-4E64-A77E-AFBD81127352}"/>
+              </a:ext>
+              <a:ext uri="{C183D7F6-B498-43B3-948B-1728B52AA6E4}">
+                <adec:decorative xmlns:adec="http://schemas.microsoft.com/office/drawing/2017/decorative" val="1"/>
+              </a:ext>
+            </a:extLst>
+          </p:cNvPr>
+          <p:cNvSpPr>
+            <a:spLocks noGrp="1" noRot="1" noChangeAspect="1" noMove="1" noResize="1" noEditPoints="1" noAdjustHandles="1" noChangeArrowheads="1" noChangeShapeType="1" noTextEdit="1"/>
+          </p:cNvSpPr>
+          <p:nvPr>
+            <p:extLst>
+              <p:ext uri="{386F3935-93C4-4BCD-93E2-E3B085C9AB24}">
+                <p16:designElem xmlns:p16="http://schemas.microsoft.com/office/powerpoint/2015/main" val="1"/>
+              </p:ext>
+            </p:extLst>
+          </p:nvPr>
+        </p:nvSpPr>
+        <p:spPr>
+          <a:xfrm flipH="1">
+            <a:off x="4684060" y="0"/>
+            <a:ext cx="7507940" cy="765228"/>
+          </a:xfrm>
+          <a:prstGeom prst="rect">
+            <a:avLst/>
+          </a:prstGeom>
+          <a:solidFill>
+            <a:schemeClr val="bg1">
+              <a:alpha val="75000"/>
+            </a:schemeClr>
+          </a:solidFill>
+          <a:ln>
+            <a:noFill/>
+          </a:ln>
+        </p:spPr>
+        <p:style>
+          <a:lnRef idx="2">
+            <a:schemeClr val="accent1">
+              <a:shade val="50000"/>
+            </a:schemeClr>
+          </a:lnRef>
+          <a:fillRef idx="1">
+            <a:schemeClr val="accent1"/>
+          </a:fillRef>
+          <a:effectRef idx="0">
+            <a:schemeClr val="accent1"/>
+          </a:effectRef>
+          <a:fontRef idx="minor">
+            <a:schemeClr val="lt1"/>
+          </a:fontRef>
+        </p:style>
+        <p:txBody>
+          <a:bodyPr rtlCol="0" anchor="ctr"/>
+          <a:lstStyle/>
+          <a:p>
+            <a:pPr algn="ctr"/>
+            <a:endParaRPr lang="en-US"/>
+          </a:p>
+        </p:txBody>
+      </p:sp>
+      <p:pic>
+        <p:nvPicPr>
+          <p:cNvPr id="8" name="Picture 7">
+            <a:extLst>
+              <a:ext uri="{FF2B5EF4-FFF2-40B4-BE49-F238E27FC236}">
+                <a16:creationId xmlns:a16="http://schemas.microsoft.com/office/drawing/2014/main" id="{01824B0A-2244-AA5C-0F9D-E3DA22A1600C}"/>
+              </a:ext>
+            </a:extLst>
+          </p:cNvPr>
+          <p:cNvPicPr>
+            <a:picLocks noChangeAspect="1"/>
+          </p:cNvPicPr>
+          <p:nvPr/>
+        </p:nvPicPr>
+        <p:blipFill>
+          <a:blip r:embed="rId3"/>
+          <a:srcRect l="6765" r="6765"/>
+          <a:stretch/>
+        </p:blipFill>
+        <p:spPr>
+          <a:xfrm>
+            <a:off x="4695713" y="713436"/>
+            <a:ext cx="7500472" cy="5431128"/>
+          </a:xfrm>
+          <a:prstGeom prst="rect">
+            <a:avLst/>
+          </a:prstGeom>
+        </p:spPr>
+      </p:pic>
+      <p:sp>
+        <p:nvSpPr>
+          <p:cNvPr id="46" name="Rectangle 45">
+            <a:extLst>
+              <a:ext uri="{FF2B5EF4-FFF2-40B4-BE49-F238E27FC236}">
+                <a16:creationId xmlns:a16="http://schemas.microsoft.com/office/drawing/2014/main" id="{BCF4857D-F003-4CA1-82AB-00900B1008BA}"/>
+              </a:ext>
+              <a:ext uri="{C183D7F6-B498-43B3-948B-1728B52AA6E4}">
+                <adec:decorative xmlns:adec="http://schemas.microsoft.com/office/drawing/2017/decorative" val="1"/>
+              </a:ext>
+            </a:extLst>
+          </p:cNvPr>
+          <p:cNvSpPr>
+            <a:spLocks noGrp="1" noRot="1" noChangeAspect="1" noMove="1" noResize="1" noEditPoints="1" noAdjustHandles="1" noChangeArrowheads="1" noChangeShapeType="1" noTextEdit="1"/>
+          </p:cNvSpPr>
+          <p:nvPr>
+            <p:extLst>
+              <p:ext uri="{386F3935-93C4-4BCD-93E2-E3B085C9AB24}">
+                <p16:designElem xmlns:p16="http://schemas.microsoft.com/office/powerpoint/2015/main" val="1"/>
+              </p:ext>
+            </p:extLst>
+          </p:nvPr>
+        </p:nvSpPr>
+        <p:spPr>
+          <a:xfrm flipH="1">
+            <a:off x="-6" y="6144564"/>
+            <a:ext cx="4656246" cy="713436"/>
+          </a:xfrm>
+          <a:prstGeom prst="rect">
+            <a:avLst/>
+          </a:prstGeom>
+          <a:solidFill>
+            <a:schemeClr val="accent1"/>
+          </a:solidFill>
+          <a:ln>
+            <a:noFill/>
+          </a:ln>
+        </p:spPr>
+        <p:style>
+          <a:lnRef idx="2">
+            <a:schemeClr val="accent1">
+              <a:shade val="50000"/>
+            </a:schemeClr>
+          </a:lnRef>
+          <a:fillRef idx="1">
+            <a:schemeClr val="accent1"/>
+          </a:fillRef>
+          <a:effectRef idx="0">
+            <a:schemeClr val="accent1"/>
+          </a:effectRef>
+          <a:fontRef idx="minor">
+            <a:schemeClr val="lt1"/>
+          </a:fontRef>
+        </p:style>
+        <p:txBody>
+          <a:bodyPr rtlCol="0" anchor="ctr"/>
+          <a:lstStyle/>
+          <a:p>
+            <a:pPr algn="ctr"/>
+            <a:endParaRPr lang="en-US"/>
+          </a:p>
+        </p:txBody>
+      </p:sp>
+      <p:sp>
+        <p:nvSpPr>
+          <p:cNvPr id="48" name="Rectangle 47">
+            <a:extLst>
+              <a:ext uri="{FF2B5EF4-FFF2-40B4-BE49-F238E27FC236}">
+                <a16:creationId xmlns:a16="http://schemas.microsoft.com/office/drawing/2014/main" id="{DB791336-FCAA-4174-9303-B3F374861110}"/>
+              </a:ext>
+              <a:ext uri="{C183D7F6-B498-43B3-948B-1728B52AA6E4}">
+                <adec:decorative xmlns:adec="http://schemas.microsoft.com/office/drawing/2017/decorative" val="1"/>
+              </a:ext>
+            </a:extLst>
+          </p:cNvPr>
+          <p:cNvSpPr>
+            <a:spLocks noGrp="1" noRot="1" noChangeAspect="1" noMove="1" noResize="1" noEditPoints="1" noAdjustHandles="1" noChangeArrowheads="1" noChangeShapeType="1" noTextEdit="1"/>
+          </p:cNvSpPr>
+          <p:nvPr>
+            <p:extLst>
+              <p:ext uri="{386F3935-93C4-4BCD-93E2-E3B085C9AB24}">
+                <p16:designElem xmlns:p16="http://schemas.microsoft.com/office/powerpoint/2015/main" val="1"/>
+              </p:ext>
+            </p:extLst>
+          </p:nvPr>
+        </p:nvSpPr>
+        <p:spPr>
+          <a:xfrm flipH="1">
+            <a:off x="4715122" y="6167615"/>
+            <a:ext cx="7473828" cy="690385"/>
+          </a:xfrm>
+          <a:prstGeom prst="rect">
+            <a:avLst/>
+          </a:prstGeom>
+          <a:solidFill>
+            <a:schemeClr val="bg1">
+              <a:alpha val="75000"/>
+            </a:schemeClr>
+          </a:solidFill>
+          <a:ln>
+            <a:noFill/>
+          </a:ln>
+        </p:spPr>
+        <p:style>
+          <a:lnRef idx="2">
+            <a:schemeClr val="accent1">
+              <a:shade val="50000"/>
+            </a:schemeClr>
+          </a:lnRef>
+          <a:fillRef idx="1">
+            <a:schemeClr val="accent1"/>
+          </a:fillRef>
+          <a:effectRef idx="0">
+            <a:schemeClr val="accent1"/>
+          </a:effectRef>
+          <a:fontRef idx="minor">
+            <a:schemeClr val="lt1"/>
+          </a:fontRef>
+        </p:style>
+        <p:txBody>
+          <a:bodyPr rtlCol="0" anchor="ctr"/>
+          <a:lstStyle/>
+          <a:p>
+            <a:pPr algn="ctr"/>
+            <a:endParaRPr lang="en-US"/>
+          </a:p>
+        </p:txBody>
+      </p:sp>
+      <p:sp>
+        <p:nvSpPr>
+          <p:cNvPr id="50" name="Rectangle 49">
+            <a:extLst>
+              <a:ext uri="{FF2B5EF4-FFF2-40B4-BE49-F238E27FC236}">
+                <a16:creationId xmlns:a16="http://schemas.microsoft.com/office/drawing/2014/main" id="{CA212158-300D-44D0-9CCE-472C3F669EE1}"/>
+              </a:ext>
+              <a:ext uri="{C183D7F6-B498-43B3-948B-1728B52AA6E4}">
+                <adec:decorative xmlns:adec="http://schemas.microsoft.com/office/drawing/2017/decorative" val="1"/>
+              </a:ext>
+            </a:extLst>
+          </p:cNvPr>
+          <p:cNvSpPr>
+            <a:spLocks noGrp="1" noRot="1" noChangeAspect="1" noMove="1" noResize="1" noEditPoints="1" noAdjustHandles="1" noChangeArrowheads="1" noChangeShapeType="1" noTextEdit="1"/>
+          </p:cNvSpPr>
+          <p:nvPr>
+            <p:extLst>
+              <p:ext uri="{386F3935-93C4-4BCD-93E2-E3B085C9AB24}">
+                <p16:designElem xmlns:p16="http://schemas.microsoft.com/office/powerpoint/2015/main" val="1"/>
+              </p:ext>
+            </p:extLst>
+          </p:nvPr>
+        </p:nvSpPr>
+        <p:spPr>
+          <a:xfrm>
+            <a:off x="1525" y="6109423"/>
+            <a:ext cx="12188951" cy="64008"/>
+          </a:xfrm>
+          <a:prstGeom prst="rect">
+            <a:avLst/>
+          </a:prstGeom>
+          <a:solidFill>
+            <a:schemeClr val="tx2"/>
+          </a:solidFill>
+          <a:ln>
+            <a:noFill/>
+          </a:ln>
+        </p:spPr>
+        <p:style>
+          <a:lnRef idx="2">
+            <a:schemeClr val="accent1">
+              <a:shade val="50000"/>
+            </a:schemeClr>
+          </a:lnRef>
+          <a:fillRef idx="1">
+            <a:schemeClr val="accent1"/>
+          </a:fillRef>
+          <a:effectRef idx="0">
+            <a:schemeClr val="accent1"/>
+          </a:effectRef>
+          <a:fontRef idx="minor">
+            <a:schemeClr val="lt1"/>
+          </a:fontRef>
+        </p:style>
+        <p:txBody>
+          <a:bodyPr rtlCol="0" anchor="ctr"/>
+          <a:lstStyle/>
+          <a:p>
+            <a:pPr algn="ctr"/>
+            <a:endParaRPr lang="en-US"/>
+          </a:p>
+        </p:txBody>
+      </p:sp>
+      <p:sp>
+        <p:nvSpPr>
+          <p:cNvPr id="52" name="Rectangle 51">
+            <a:extLst>
+              <a:ext uri="{FF2B5EF4-FFF2-40B4-BE49-F238E27FC236}">
+                <a16:creationId xmlns:a16="http://schemas.microsoft.com/office/drawing/2014/main" id="{988521F4-D44A-42C5-9BDB-5CA25554098B}"/>
+              </a:ext>
+              <a:ext uri="{C183D7F6-B498-43B3-948B-1728B52AA6E4}">
+                <adec:decorative xmlns:adec="http://schemas.microsoft.com/office/drawing/2017/decorative" val="1"/>
+              </a:ext>
+            </a:extLst>
+          </p:cNvPr>
+          <p:cNvSpPr>
+            <a:spLocks noGrp="1" noRot="1" noChangeAspect="1" noMove="1" noResize="1" noEditPoints="1" noAdjustHandles="1" noChangeArrowheads="1" noChangeShapeType="1" noTextEdit="1"/>
+          </p:cNvSpPr>
+          <p:nvPr>
+            <p:extLst>
+              <p:ext uri="{386F3935-93C4-4BCD-93E2-E3B085C9AB24}">
+                <p16:designElem xmlns:p16="http://schemas.microsoft.com/office/powerpoint/2015/main" val="1"/>
+              </p:ext>
+            </p:extLst>
+          </p:nvPr>
+        </p:nvSpPr>
+        <p:spPr>
+          <a:xfrm>
+            <a:off x="4656241" y="0"/>
+            <a:ext cx="64008" cy="6858000"/>
+          </a:xfrm>
+          <a:prstGeom prst="rect">
+            <a:avLst/>
+          </a:prstGeom>
+          <a:solidFill>
+            <a:schemeClr val="tx2"/>
+          </a:solidFill>
+          <a:ln>
+            <a:noFill/>
+          </a:ln>
+        </p:spPr>
+        <p:style>
+          <a:lnRef idx="2">
+            <a:schemeClr val="accent1">
+              <a:shade val="50000"/>
+            </a:schemeClr>
+          </a:lnRef>
+          <a:fillRef idx="1">
+            <a:schemeClr val="accent1"/>
+          </a:fillRef>
+          <a:effectRef idx="0">
+            <a:schemeClr val="accent1"/>
+          </a:effectRef>
+          <a:fontRef idx="minor">
+            <a:schemeClr val="lt1"/>
+          </a:fontRef>
+        </p:style>
+        <p:txBody>
+          <a:bodyPr rtlCol="0" anchor="ctr"/>
+          <a:lstStyle/>
+          <a:p>
+            <a:pPr algn="ctr"/>
+            <a:endParaRPr lang="en-US"/>
+          </a:p>
+        </p:txBody>
+      </p:sp>
+      <p:sp>
+        <p:nvSpPr>
+          <p:cNvPr id="54" name="Rectangle 53">
+            <a:extLst>
+              <a:ext uri="{FF2B5EF4-FFF2-40B4-BE49-F238E27FC236}">
+                <a16:creationId xmlns:a16="http://schemas.microsoft.com/office/drawing/2014/main" id="{5E6738EB-6FF0-4AF9-8462-57F4494B88B2}"/>
+              </a:ext>
+              <a:ext uri="{C183D7F6-B498-43B3-948B-1728B52AA6E4}">
+                <adec:decorative xmlns:adec="http://schemas.microsoft.com/office/drawing/2017/decorative" val="1"/>
+              </a:ext>
+            </a:extLst>
+          </p:cNvPr>
+          <p:cNvSpPr>
+            <a:spLocks noGrp="1" noRot="1" noChangeAspect="1" noMove="1" noResize="1" noEditPoints="1" noAdjustHandles="1" noChangeArrowheads="1" noChangeShapeType="1" noTextEdit="1"/>
+          </p:cNvSpPr>
+          <p:nvPr>
+            <p:extLst>
+              <p:ext uri="{386F3935-93C4-4BCD-93E2-E3B085C9AB24}">
+                <p16:designElem xmlns:p16="http://schemas.microsoft.com/office/powerpoint/2015/main" val="1"/>
+              </p:ext>
+            </p:extLst>
+          </p:nvPr>
+        </p:nvSpPr>
+        <p:spPr>
+          <a:xfrm>
+            <a:off x="1525" y="713436"/>
+            <a:ext cx="12188951" cy="64008"/>
+          </a:xfrm>
+          <a:prstGeom prst="rect">
+            <a:avLst/>
+          </a:prstGeom>
+          <a:solidFill>
+            <a:schemeClr val="tx2"/>
+          </a:solidFill>
+          <a:ln>
+            <a:noFill/>
+          </a:ln>
+        </p:spPr>
+        <p:style>
+          <a:lnRef idx="2">
+            <a:schemeClr val="accent1">
+              <a:shade val="50000"/>
+            </a:schemeClr>
+          </a:lnRef>
+          <a:fillRef idx="1">
+            <a:schemeClr val="accent1"/>
+          </a:fillRef>
+          <a:effectRef idx="0">
+            <a:schemeClr val="accent1"/>
+          </a:effectRef>
+          <a:fontRef idx="minor">
+            <a:schemeClr val="lt1"/>
+          </a:fontRef>
+        </p:style>
+        <p:txBody>
+          <a:bodyPr rtlCol="0" anchor="ctr"/>
+          <a:lstStyle/>
+          <a:p>
+            <a:pPr algn="ctr"/>
+            <a:endParaRPr lang="en-US"/>
+          </a:p>
+        </p:txBody>
+      </p:sp>
+    </p:spTree>
+    <p:extLst>
+      <p:ext uri="{BB962C8B-B14F-4D97-AF65-F5344CB8AC3E}">
+        <p14:creationId xmlns:p14="http://schemas.microsoft.com/office/powerpoint/2010/main" val="4073036085"/>
+      </p:ext>
+    </p:extLst>
+  </p:cSld>
+  <p:clrMapOvr>
+    <a:masterClrMapping/>
+  </p:clrMapOvr>
+</p:sld>
+</file>
+
+<file path=ppt/slides/slide11.xml><?xml version="1.0" encoding="utf-8"?>
+<p:sld xmlns:a="http://schemas.openxmlformats.org/drawingml/2006/main" xmlns:r="http://schemas.openxmlformats.org/officeDocument/2006/relationships" xmlns:p="http://schemas.openxmlformats.org/presentationml/2006/main">
+  <p:cSld>
+    <p:bg>
+      <p:bgPr>
+        <a:solidFill>
+          <a:schemeClr val="bg2"/>
+        </a:solidFill>
+        <a:effectLst/>
+      </p:bgPr>
+    </p:bg>
+    <p:spTree>
+      <p:nvGrpSpPr>
+        <p:cNvPr id="1" name=""/>
+        <p:cNvGrpSpPr/>
+        <p:nvPr/>
+      </p:nvGrpSpPr>
+      <p:grpSpPr>
+        <a:xfrm>
+          <a:off x="0" y="0"/>
+          <a:ext cx="0" cy="0"/>
+          <a:chOff x="0" y="0"/>
+          <a:chExt cx="0" cy="0"/>
+        </a:xfrm>
+      </p:grpSpPr>
+      <p:sp>
+        <p:nvSpPr>
+          <p:cNvPr id="36" name="Rectangle 35">
+            <a:extLst>
+              <a:ext uri="{FF2B5EF4-FFF2-40B4-BE49-F238E27FC236}">
+                <a16:creationId xmlns:a16="http://schemas.microsoft.com/office/drawing/2014/main" id="{0786F82F-1B47-46ED-8EAE-53EF71E59E9A}"/>
+              </a:ext>
+              <a:ext uri="{C183D7F6-B498-43B3-948B-1728B52AA6E4}">
+                <adec:decorative xmlns:adec="http://schemas.microsoft.com/office/drawing/2017/decorative" val="1"/>
+              </a:ext>
+            </a:extLst>
+          </p:cNvPr>
+          <p:cNvSpPr>
+            <a:spLocks noGrp="1" noRot="1" noChangeAspect="1" noMove="1" noResize="1" noEditPoints="1" noAdjustHandles="1" noChangeArrowheads="1" noChangeShapeType="1" noTextEdit="1"/>
+          </p:cNvSpPr>
+          <p:nvPr>
+            <p:extLst>
+              <p:ext uri="{386F3935-93C4-4BCD-93E2-E3B085C9AB24}">
+                <p16:designElem xmlns:p16="http://schemas.microsoft.com/office/powerpoint/2015/main" val="1"/>
+              </p:ext>
+            </p:extLst>
+          </p:nvPr>
+        </p:nvSpPr>
+        <p:spPr>
+          <a:xfrm>
+            <a:off x="4718302" y="0"/>
+            <a:ext cx="7473698" cy="6858000"/>
+          </a:xfrm>
+          <a:prstGeom prst="rect">
+            <a:avLst/>
+          </a:prstGeom>
+          <a:solidFill>
+            <a:schemeClr val="bg1">
+              <a:alpha val="75000"/>
+            </a:schemeClr>
+          </a:solidFill>
+          <a:ln>
+            <a:noFill/>
+          </a:ln>
+        </p:spPr>
+        <p:style>
+          <a:lnRef idx="2">
+            <a:schemeClr val="accent1">
+              <a:shade val="50000"/>
+            </a:schemeClr>
+          </a:lnRef>
+          <a:fillRef idx="1">
+            <a:schemeClr val="accent1"/>
+          </a:fillRef>
+          <a:effectRef idx="0">
+            <a:schemeClr val="accent1"/>
+          </a:effectRef>
+          <a:fontRef idx="minor">
+            <a:schemeClr val="lt1"/>
+          </a:fontRef>
+        </p:style>
+        <p:txBody>
+          <a:bodyPr rtlCol="0" anchor="ctr"/>
+          <a:lstStyle/>
+          <a:p>
+            <a:pPr algn="ctr"/>
+            <a:endParaRPr lang="en-US"/>
+          </a:p>
+        </p:txBody>
+      </p:sp>
+      <p:sp>
+        <p:nvSpPr>
+          <p:cNvPr id="38" name="Rectangle 37">
+            <a:extLst>
+              <a:ext uri="{FF2B5EF4-FFF2-40B4-BE49-F238E27FC236}">
+                <a16:creationId xmlns:a16="http://schemas.microsoft.com/office/drawing/2014/main" id="{EF1BAF6F-6275-4646-9C59-331B29B9550F}"/>
+              </a:ext>
+              <a:ext uri="{C183D7F6-B498-43B3-948B-1728B52AA6E4}">
+                <adec:decorative xmlns:adec="http://schemas.microsoft.com/office/drawing/2017/decorative" val="1"/>
+              </a:ext>
+            </a:extLst>
+          </p:cNvPr>
+          <p:cNvSpPr>
+            <a:spLocks noGrp="1" noRot="1" noChangeAspect="1" noMove="1" noResize="1" noEditPoints="1" noAdjustHandles="1" noChangeArrowheads="1" noChangeShapeType="1" noTextEdit="1"/>
+          </p:cNvSpPr>
+          <p:nvPr>
+            <p:extLst>
+              <p:ext uri="{386F3935-93C4-4BCD-93E2-E3B085C9AB24}">
+                <p16:designElem xmlns:p16="http://schemas.microsoft.com/office/powerpoint/2015/main" val="1"/>
+              </p:ext>
+            </p:extLst>
+          </p:nvPr>
+        </p:nvSpPr>
+        <p:spPr>
+          <a:xfrm rot="5400000">
+            <a:off x="1257298" y="3396997"/>
+            <a:ext cx="6858002" cy="64008"/>
+          </a:xfrm>
+          <a:prstGeom prst="rect">
+            <a:avLst/>
+          </a:prstGeom>
+          <a:solidFill>
+            <a:schemeClr val="tx2"/>
+          </a:solidFill>
+          <a:ln>
+            <a:noFill/>
+          </a:ln>
+        </p:spPr>
+        <p:style>
+          <a:lnRef idx="2">
+            <a:schemeClr val="accent1">
+              <a:shade val="50000"/>
+            </a:schemeClr>
+          </a:lnRef>
+          <a:fillRef idx="1">
+            <a:schemeClr val="accent1"/>
+          </a:fillRef>
+          <a:effectRef idx="0">
+            <a:schemeClr val="accent1"/>
+          </a:effectRef>
+          <a:fontRef idx="minor">
+            <a:schemeClr val="lt1"/>
+          </a:fontRef>
+        </p:style>
+        <p:txBody>
+          <a:bodyPr rtlCol="0" anchor="ctr"/>
+          <a:lstStyle/>
+          <a:p>
+            <a:pPr algn="ctr"/>
+            <a:endParaRPr lang="en-US"/>
+          </a:p>
+        </p:txBody>
+      </p:sp>
+      <p:sp useBgFill="1">
+        <p:nvSpPr>
+          <p:cNvPr id="40" name="Rectangle 39">
+            <a:extLst>
+              <a:ext uri="{FF2B5EF4-FFF2-40B4-BE49-F238E27FC236}">
+                <a16:creationId xmlns:a16="http://schemas.microsoft.com/office/drawing/2014/main" id="{099405E2-1A96-4DBA-A9DC-4C2A1B421CA9}"/>
+              </a:ext>
+              <a:ext uri="{C183D7F6-B498-43B3-948B-1728B52AA6E4}">
+                <adec:decorative xmlns:adec="http://schemas.microsoft.com/office/drawing/2017/decorative" val="1"/>
+              </a:ext>
+            </a:extLst>
+          </p:cNvPr>
+          <p:cNvSpPr>
+            <a:spLocks noGrp="1" noRot="1" noChangeAspect="1" noMove="1" noResize="1" noEditPoints="1" noAdjustHandles="1" noChangeArrowheads="1" noChangeShapeType="1" noTextEdit="1"/>
+          </p:cNvSpPr>
+          <p:nvPr>
+            <p:extLst>
+              <p:ext uri="{386F3935-93C4-4BCD-93E2-E3B085C9AB24}">
+                <p16:designElem xmlns:p16="http://schemas.microsoft.com/office/powerpoint/2015/main" val="1"/>
+              </p:ext>
+            </p:extLst>
+          </p:nvPr>
+        </p:nvSpPr>
+        <p:spPr>
+          <a:xfrm flipH="1">
+            <a:off x="0" y="0"/>
+            <a:ext cx="12192001" cy="6858000"/>
+          </a:xfrm>
+          <a:prstGeom prst="rect">
+            <a:avLst/>
+          </a:prstGeom>
+          <a:ln>
+            <a:noFill/>
+          </a:ln>
+        </p:spPr>
+        <p:style>
+          <a:lnRef idx="2">
+            <a:schemeClr val="accent1">
+              <a:shade val="50000"/>
+            </a:schemeClr>
+          </a:lnRef>
+          <a:fillRef idx="1">
+            <a:schemeClr val="accent1"/>
+          </a:fillRef>
+          <a:effectRef idx="0">
+            <a:schemeClr val="accent1"/>
+          </a:effectRef>
+          <a:fontRef idx="minor">
+            <a:schemeClr val="lt1"/>
+          </a:fontRef>
+        </p:style>
+        <p:txBody>
+          <a:bodyPr rtlCol="0" anchor="ctr"/>
+          <a:lstStyle/>
+          <a:p>
+            <a:pPr algn="ctr"/>
+            <a:endParaRPr lang="en-US" dirty="0"/>
+          </a:p>
+        </p:txBody>
+      </p:sp>
+      <p:sp>
+        <p:nvSpPr>
+          <p:cNvPr id="42" name="Rectangle 41">
+            <a:extLst>
+              <a:ext uri="{FF2B5EF4-FFF2-40B4-BE49-F238E27FC236}">
+                <a16:creationId xmlns:a16="http://schemas.microsoft.com/office/drawing/2014/main" id="{79855050-A75B-4DD0-9B56-8B1C7722D884}"/>
+              </a:ext>
+              <a:ext uri="{C183D7F6-B498-43B3-948B-1728B52AA6E4}">
+                <adec:decorative xmlns:adec="http://schemas.microsoft.com/office/drawing/2017/decorative" val="1"/>
+              </a:ext>
+            </a:extLst>
+          </p:cNvPr>
+          <p:cNvSpPr>
+            <a:spLocks noGrp="1" noRot="1" noChangeAspect="1" noMove="1" noResize="1" noEditPoints="1" noAdjustHandles="1" noChangeArrowheads="1" noChangeShapeType="1" noTextEdit="1"/>
+          </p:cNvSpPr>
+          <p:nvPr>
+            <p:extLst>
+              <p:ext uri="{386F3935-93C4-4BCD-93E2-E3B085C9AB24}">
+                <p16:designElem xmlns:p16="http://schemas.microsoft.com/office/powerpoint/2015/main" val="1"/>
+              </p:ext>
+            </p:extLst>
+          </p:nvPr>
+        </p:nvSpPr>
+        <p:spPr>
+          <a:xfrm flipH="1">
+            <a:off x="-7235" y="758246"/>
+            <a:ext cx="4658480" cy="5386318"/>
+          </a:xfrm>
+          <a:prstGeom prst="rect">
+            <a:avLst/>
+          </a:prstGeom>
+          <a:solidFill>
+            <a:schemeClr val="bg1">
+              <a:alpha val="75000"/>
+            </a:schemeClr>
+          </a:solidFill>
+          <a:ln>
+            <a:noFill/>
+          </a:ln>
+        </p:spPr>
+        <p:style>
+          <a:lnRef idx="2">
+            <a:schemeClr val="accent1">
+              <a:shade val="50000"/>
+            </a:schemeClr>
+          </a:lnRef>
+          <a:fillRef idx="1">
+            <a:schemeClr val="accent1"/>
+          </a:fillRef>
+          <a:effectRef idx="0">
+            <a:schemeClr val="accent1"/>
+          </a:effectRef>
+          <a:fontRef idx="minor">
+            <a:schemeClr val="lt1"/>
+          </a:fontRef>
+        </p:style>
+        <p:txBody>
+          <a:bodyPr rtlCol="0" anchor="ctr"/>
+          <a:lstStyle/>
+          <a:p>
+            <a:pPr algn="ctr"/>
+            <a:endParaRPr lang="en-US"/>
+          </a:p>
+        </p:txBody>
+      </p:sp>
+      <p:sp>
+        <p:nvSpPr>
+          <p:cNvPr id="2" name="Title 1">
+            <a:extLst>
+              <a:ext uri="{FF2B5EF4-FFF2-40B4-BE49-F238E27FC236}">
+                <a16:creationId xmlns:a16="http://schemas.microsoft.com/office/drawing/2014/main" id="{E2D30E0F-10C6-298A-C347-E831FFF4ECB8}"/>
+              </a:ext>
+            </a:extLst>
+          </p:cNvPr>
+          <p:cNvSpPr>
+            <a:spLocks noGrp="1"/>
+          </p:cNvSpPr>
+          <p:nvPr>
+            <p:ph type="title"/>
+          </p:nvPr>
+        </p:nvSpPr>
+        <p:spPr>
+          <a:xfrm>
+            <a:off x="516490" y="2494691"/>
+            <a:ext cx="3611029" cy="1862345"/>
+          </a:xfrm>
+        </p:spPr>
+        <p:txBody>
+          <a:bodyPr vert="horz" lIns="109728" tIns="109728" rIns="109728" bIns="91440" rtlCol="0" anchor="ctr">
+            <a:normAutofit/>
+          </a:bodyPr>
+          <a:lstStyle/>
+          <a:p>
+            <a:pPr>
+              <a:lnSpc>
+                <a:spcPct val="150000"/>
+              </a:lnSpc>
+            </a:pPr>
+            <a:r>
+              <a:rPr lang="en-US" sz="3300" dirty="0">
+                <a:solidFill>
+                  <a:schemeClr val="tx1">
+                    <a:lumMod val="75000"/>
+                    <a:lumOff val="25000"/>
+                  </a:schemeClr>
+                </a:solidFill>
+              </a:rPr>
+              <a:t>Confusion Matrix</a:t>
+            </a:r>
+          </a:p>
+        </p:txBody>
+      </p:sp>
+      <p:sp>
+        <p:nvSpPr>
+          <p:cNvPr id="44" name="Rectangle 43">
+            <a:extLst>
+              <a:ext uri="{FF2B5EF4-FFF2-40B4-BE49-F238E27FC236}">
+                <a16:creationId xmlns:a16="http://schemas.microsoft.com/office/drawing/2014/main" id="{2060C0F7-61A6-4E64-A77E-AFBD81127352}"/>
+              </a:ext>
+              <a:ext uri="{C183D7F6-B498-43B3-948B-1728B52AA6E4}">
+                <adec:decorative xmlns:adec="http://schemas.microsoft.com/office/drawing/2017/decorative" val="1"/>
+              </a:ext>
+            </a:extLst>
+          </p:cNvPr>
+          <p:cNvSpPr>
+            <a:spLocks noGrp="1" noRot="1" noChangeAspect="1" noMove="1" noResize="1" noEditPoints="1" noAdjustHandles="1" noChangeArrowheads="1" noChangeShapeType="1" noTextEdit="1"/>
+          </p:cNvSpPr>
+          <p:nvPr>
+            <p:extLst>
+              <p:ext uri="{386F3935-93C4-4BCD-93E2-E3B085C9AB24}">
+                <p16:designElem xmlns:p16="http://schemas.microsoft.com/office/powerpoint/2015/main" val="1"/>
+              </p:ext>
+            </p:extLst>
+          </p:nvPr>
+        </p:nvSpPr>
+        <p:spPr>
+          <a:xfrm flipH="1">
+            <a:off x="4684060" y="0"/>
+            <a:ext cx="7507940" cy="765228"/>
+          </a:xfrm>
+          <a:prstGeom prst="rect">
+            <a:avLst/>
+          </a:prstGeom>
+          <a:solidFill>
+            <a:schemeClr val="bg1">
+              <a:alpha val="75000"/>
+            </a:schemeClr>
+          </a:solidFill>
+          <a:ln>
+            <a:noFill/>
+          </a:ln>
+        </p:spPr>
+        <p:style>
+          <a:lnRef idx="2">
+            <a:schemeClr val="accent1">
+              <a:shade val="50000"/>
+            </a:schemeClr>
+          </a:lnRef>
+          <a:fillRef idx="1">
+            <a:schemeClr val="accent1"/>
+          </a:fillRef>
+          <a:effectRef idx="0">
+            <a:schemeClr val="accent1"/>
+          </a:effectRef>
+          <a:fontRef idx="minor">
+            <a:schemeClr val="lt1"/>
+          </a:fontRef>
+        </p:style>
+        <p:txBody>
+          <a:bodyPr rtlCol="0" anchor="ctr"/>
+          <a:lstStyle/>
+          <a:p>
+            <a:pPr algn="ctr"/>
+            <a:endParaRPr lang="en-US"/>
+          </a:p>
+        </p:txBody>
+      </p:sp>
+      <p:pic>
+        <p:nvPicPr>
+          <p:cNvPr id="8" name="Picture 7">
+            <a:extLst>
+              <a:ext uri="{FF2B5EF4-FFF2-40B4-BE49-F238E27FC236}">
+                <a16:creationId xmlns:a16="http://schemas.microsoft.com/office/drawing/2014/main" id="{01824B0A-2244-AA5C-0F9D-E3DA22A1600C}"/>
+              </a:ext>
+            </a:extLst>
+          </p:cNvPr>
+          <p:cNvPicPr>
+            <a:picLocks noChangeAspect="1"/>
+          </p:cNvPicPr>
+          <p:nvPr/>
+        </p:nvPicPr>
+        <p:blipFill>
+          <a:blip r:embed="rId3"/>
+          <a:srcRect t="4214" b="4214"/>
+          <a:stretch/>
+        </p:blipFill>
+        <p:spPr>
+          <a:xfrm>
+            <a:off x="4695713" y="713436"/>
+            <a:ext cx="7500472" cy="5431128"/>
+          </a:xfrm>
+          <a:prstGeom prst="rect">
+            <a:avLst/>
+          </a:prstGeom>
+        </p:spPr>
+      </p:pic>
+      <p:sp>
+        <p:nvSpPr>
+          <p:cNvPr id="46" name="Rectangle 45">
+            <a:extLst>
+              <a:ext uri="{FF2B5EF4-FFF2-40B4-BE49-F238E27FC236}">
+                <a16:creationId xmlns:a16="http://schemas.microsoft.com/office/drawing/2014/main" id="{BCF4857D-F003-4CA1-82AB-00900B1008BA}"/>
+              </a:ext>
+              <a:ext uri="{C183D7F6-B498-43B3-948B-1728B52AA6E4}">
+                <adec:decorative xmlns:adec="http://schemas.microsoft.com/office/drawing/2017/decorative" val="1"/>
+              </a:ext>
+            </a:extLst>
+          </p:cNvPr>
+          <p:cNvSpPr>
+            <a:spLocks noGrp="1" noRot="1" noChangeAspect="1" noMove="1" noResize="1" noEditPoints="1" noAdjustHandles="1" noChangeArrowheads="1" noChangeShapeType="1" noTextEdit="1"/>
+          </p:cNvSpPr>
+          <p:nvPr>
+            <p:extLst>
+              <p:ext uri="{386F3935-93C4-4BCD-93E2-E3B085C9AB24}">
+                <p16:designElem xmlns:p16="http://schemas.microsoft.com/office/powerpoint/2015/main" val="1"/>
+              </p:ext>
+            </p:extLst>
+          </p:nvPr>
+        </p:nvSpPr>
+        <p:spPr>
+          <a:xfrm flipH="1">
+            <a:off x="-6" y="6144564"/>
+            <a:ext cx="4656246" cy="713436"/>
+          </a:xfrm>
+          <a:prstGeom prst="rect">
+            <a:avLst/>
+          </a:prstGeom>
+          <a:solidFill>
+            <a:schemeClr val="accent1"/>
+          </a:solidFill>
+          <a:ln>
+            <a:noFill/>
+          </a:ln>
+        </p:spPr>
+        <p:style>
+          <a:lnRef idx="2">
+            <a:schemeClr val="accent1">
+              <a:shade val="50000"/>
+            </a:schemeClr>
+          </a:lnRef>
+          <a:fillRef idx="1">
+            <a:schemeClr val="accent1"/>
+          </a:fillRef>
+          <a:effectRef idx="0">
+            <a:schemeClr val="accent1"/>
+          </a:effectRef>
+          <a:fontRef idx="minor">
+            <a:schemeClr val="lt1"/>
+          </a:fontRef>
+        </p:style>
+        <p:txBody>
+          <a:bodyPr rtlCol="0" anchor="ctr"/>
+          <a:lstStyle/>
+          <a:p>
+            <a:pPr algn="ctr"/>
+            <a:endParaRPr lang="en-US"/>
+          </a:p>
+        </p:txBody>
+      </p:sp>
+      <p:sp>
+        <p:nvSpPr>
+          <p:cNvPr id="48" name="Rectangle 47">
+            <a:extLst>
+              <a:ext uri="{FF2B5EF4-FFF2-40B4-BE49-F238E27FC236}">
+                <a16:creationId xmlns:a16="http://schemas.microsoft.com/office/drawing/2014/main" id="{DB791336-FCAA-4174-9303-B3F374861110}"/>
+              </a:ext>
+              <a:ext uri="{C183D7F6-B498-43B3-948B-1728B52AA6E4}">
+                <adec:decorative xmlns:adec="http://schemas.microsoft.com/office/drawing/2017/decorative" val="1"/>
+              </a:ext>
+            </a:extLst>
+          </p:cNvPr>
+          <p:cNvSpPr>
+            <a:spLocks noGrp="1" noRot="1" noChangeAspect="1" noMove="1" noResize="1" noEditPoints="1" noAdjustHandles="1" noChangeArrowheads="1" noChangeShapeType="1" noTextEdit="1"/>
+          </p:cNvSpPr>
+          <p:nvPr>
+            <p:extLst>
+              <p:ext uri="{386F3935-93C4-4BCD-93E2-E3B085C9AB24}">
+                <p16:designElem xmlns:p16="http://schemas.microsoft.com/office/powerpoint/2015/main" val="1"/>
+              </p:ext>
+            </p:extLst>
+          </p:nvPr>
+        </p:nvSpPr>
+        <p:spPr>
+          <a:xfrm flipH="1">
+            <a:off x="4715122" y="6167615"/>
+            <a:ext cx="7473828" cy="690385"/>
+          </a:xfrm>
+          <a:prstGeom prst="rect">
+            <a:avLst/>
+          </a:prstGeom>
+          <a:solidFill>
+            <a:schemeClr val="bg1">
+              <a:alpha val="75000"/>
+            </a:schemeClr>
+          </a:solidFill>
+          <a:ln>
+            <a:noFill/>
+          </a:ln>
+        </p:spPr>
+        <p:style>
+          <a:lnRef idx="2">
+            <a:schemeClr val="accent1">
+              <a:shade val="50000"/>
+            </a:schemeClr>
+          </a:lnRef>
+          <a:fillRef idx="1">
+            <a:schemeClr val="accent1"/>
+          </a:fillRef>
+          <a:effectRef idx="0">
+            <a:schemeClr val="accent1"/>
+          </a:effectRef>
+          <a:fontRef idx="minor">
+            <a:schemeClr val="lt1"/>
+          </a:fontRef>
+        </p:style>
+        <p:txBody>
+          <a:bodyPr rtlCol="0" anchor="ctr"/>
+          <a:lstStyle/>
+          <a:p>
+            <a:pPr algn="ctr"/>
+            <a:endParaRPr lang="en-US"/>
+          </a:p>
+        </p:txBody>
+      </p:sp>
+      <p:sp>
+        <p:nvSpPr>
+          <p:cNvPr id="50" name="Rectangle 49">
+            <a:extLst>
+              <a:ext uri="{FF2B5EF4-FFF2-40B4-BE49-F238E27FC236}">
+                <a16:creationId xmlns:a16="http://schemas.microsoft.com/office/drawing/2014/main" id="{CA212158-300D-44D0-9CCE-472C3F669EE1}"/>
+              </a:ext>
+              <a:ext uri="{C183D7F6-B498-43B3-948B-1728B52AA6E4}">
+                <adec:decorative xmlns:adec="http://schemas.microsoft.com/office/drawing/2017/decorative" val="1"/>
+              </a:ext>
+            </a:extLst>
+          </p:cNvPr>
+          <p:cNvSpPr>
+            <a:spLocks noGrp="1" noRot="1" noChangeAspect="1" noMove="1" noResize="1" noEditPoints="1" noAdjustHandles="1" noChangeArrowheads="1" noChangeShapeType="1" noTextEdit="1"/>
+          </p:cNvSpPr>
+          <p:nvPr>
+            <p:extLst>
+              <p:ext uri="{386F3935-93C4-4BCD-93E2-E3B085C9AB24}">
+                <p16:designElem xmlns:p16="http://schemas.microsoft.com/office/powerpoint/2015/main" val="1"/>
+              </p:ext>
+            </p:extLst>
+          </p:nvPr>
+        </p:nvSpPr>
+        <p:spPr>
+          <a:xfrm>
+            <a:off x="1525" y="6109423"/>
+            <a:ext cx="12188951" cy="64008"/>
+          </a:xfrm>
+          <a:prstGeom prst="rect">
+            <a:avLst/>
+          </a:prstGeom>
+          <a:solidFill>
+            <a:schemeClr val="tx2"/>
+          </a:solidFill>
+          <a:ln>
+            <a:noFill/>
+          </a:ln>
+        </p:spPr>
+        <p:style>
+          <a:lnRef idx="2">
+            <a:schemeClr val="accent1">
+              <a:shade val="50000"/>
+            </a:schemeClr>
+          </a:lnRef>
+          <a:fillRef idx="1">
+            <a:schemeClr val="accent1"/>
+          </a:fillRef>
+          <a:effectRef idx="0">
+            <a:schemeClr val="accent1"/>
+          </a:effectRef>
+          <a:fontRef idx="minor">
+            <a:schemeClr val="lt1"/>
+          </a:fontRef>
+        </p:style>
+        <p:txBody>
+          <a:bodyPr rtlCol="0" anchor="ctr"/>
+          <a:lstStyle/>
+          <a:p>
+            <a:pPr algn="ctr"/>
+            <a:endParaRPr lang="en-US"/>
+          </a:p>
+        </p:txBody>
+      </p:sp>
+      <p:sp>
+        <p:nvSpPr>
+          <p:cNvPr id="52" name="Rectangle 51">
+            <a:extLst>
+              <a:ext uri="{FF2B5EF4-FFF2-40B4-BE49-F238E27FC236}">
+                <a16:creationId xmlns:a16="http://schemas.microsoft.com/office/drawing/2014/main" id="{988521F4-D44A-42C5-9BDB-5CA25554098B}"/>
+              </a:ext>
+              <a:ext uri="{C183D7F6-B498-43B3-948B-1728B52AA6E4}">
+                <adec:decorative xmlns:adec="http://schemas.microsoft.com/office/drawing/2017/decorative" val="1"/>
+              </a:ext>
+            </a:extLst>
+          </p:cNvPr>
+          <p:cNvSpPr>
+            <a:spLocks noGrp="1" noRot="1" noChangeAspect="1" noMove="1" noResize="1" noEditPoints="1" noAdjustHandles="1" noChangeArrowheads="1" noChangeShapeType="1" noTextEdit="1"/>
+          </p:cNvSpPr>
+          <p:nvPr>
+            <p:extLst>
+              <p:ext uri="{386F3935-93C4-4BCD-93E2-E3B085C9AB24}">
+                <p16:designElem xmlns:p16="http://schemas.microsoft.com/office/powerpoint/2015/main" val="1"/>
+              </p:ext>
+            </p:extLst>
+          </p:nvPr>
+        </p:nvSpPr>
+        <p:spPr>
+          <a:xfrm>
+            <a:off x="4656241" y="0"/>
+            <a:ext cx="64008" cy="6858000"/>
+          </a:xfrm>
+          <a:prstGeom prst="rect">
+            <a:avLst/>
+          </a:prstGeom>
+          <a:solidFill>
+            <a:schemeClr val="tx2"/>
+          </a:solidFill>
+          <a:ln>
+            <a:noFill/>
+          </a:ln>
+        </p:spPr>
+        <p:style>
+          <a:lnRef idx="2">
+            <a:schemeClr val="accent1">
+              <a:shade val="50000"/>
+            </a:schemeClr>
+          </a:lnRef>
+          <a:fillRef idx="1">
+            <a:schemeClr val="accent1"/>
+          </a:fillRef>
+          <a:effectRef idx="0">
+            <a:schemeClr val="accent1"/>
+          </a:effectRef>
+          <a:fontRef idx="minor">
+            <a:schemeClr val="lt1"/>
+          </a:fontRef>
+        </p:style>
+        <p:txBody>
+          <a:bodyPr rtlCol="0" anchor="ctr"/>
+          <a:lstStyle/>
+          <a:p>
+            <a:pPr algn="ctr"/>
+            <a:endParaRPr lang="en-US"/>
+          </a:p>
+        </p:txBody>
+      </p:sp>
+      <p:sp>
+        <p:nvSpPr>
+          <p:cNvPr id="54" name="Rectangle 53">
+            <a:extLst>
+              <a:ext uri="{FF2B5EF4-FFF2-40B4-BE49-F238E27FC236}">
+                <a16:creationId xmlns:a16="http://schemas.microsoft.com/office/drawing/2014/main" id="{5E6738EB-6FF0-4AF9-8462-57F4494B88B2}"/>
+              </a:ext>
+              <a:ext uri="{C183D7F6-B498-43B3-948B-1728B52AA6E4}">
+                <adec:decorative xmlns:adec="http://schemas.microsoft.com/office/drawing/2017/decorative" val="1"/>
+              </a:ext>
+            </a:extLst>
+          </p:cNvPr>
+          <p:cNvSpPr>
+            <a:spLocks noGrp="1" noRot="1" noChangeAspect="1" noMove="1" noResize="1" noEditPoints="1" noAdjustHandles="1" noChangeArrowheads="1" noChangeShapeType="1" noTextEdit="1"/>
+          </p:cNvSpPr>
+          <p:nvPr>
+            <p:extLst>
+              <p:ext uri="{386F3935-93C4-4BCD-93E2-E3B085C9AB24}">
+                <p16:designElem xmlns:p16="http://schemas.microsoft.com/office/powerpoint/2015/main" val="1"/>
+              </p:ext>
+            </p:extLst>
+          </p:nvPr>
+        </p:nvSpPr>
+        <p:spPr>
+          <a:xfrm>
+            <a:off x="1525" y="713436"/>
+            <a:ext cx="12188951" cy="64008"/>
+          </a:xfrm>
+          <a:prstGeom prst="rect">
+            <a:avLst/>
+          </a:prstGeom>
+          <a:solidFill>
+            <a:schemeClr val="tx2"/>
+          </a:solidFill>
+          <a:ln>
+            <a:noFill/>
+          </a:ln>
+        </p:spPr>
+        <p:style>
+          <a:lnRef idx="2">
+            <a:schemeClr val="accent1">
+              <a:shade val="50000"/>
+            </a:schemeClr>
+          </a:lnRef>
+          <a:fillRef idx="1">
+            <a:schemeClr val="accent1"/>
+          </a:fillRef>
+          <a:effectRef idx="0">
+            <a:schemeClr val="accent1"/>
+          </a:effectRef>
+          <a:fontRef idx="minor">
+            <a:schemeClr val="lt1"/>
+          </a:fontRef>
+        </p:style>
+        <p:txBody>
+          <a:bodyPr rtlCol="0" anchor="ctr"/>
+          <a:lstStyle/>
+          <a:p>
+            <a:pPr algn="ctr"/>
+            <a:endParaRPr lang="en-US"/>
+          </a:p>
+        </p:txBody>
+      </p:sp>
+    </p:spTree>
+    <p:extLst>
+      <p:ext uri="{BB962C8B-B14F-4D97-AF65-F5344CB8AC3E}">
+        <p14:creationId xmlns:p14="http://schemas.microsoft.com/office/powerpoint/2010/main" val="2772931706"/>
+      </p:ext>
+    </p:extLst>
+  </p:cSld>
+  <p:clrMapOvr>
+    <a:masterClrMapping/>
+  </p:clrMapOvr>
+</p:sld>
+</file>
+
+<file path=ppt/slides/slide12.xml><?xml version="1.0" encoding="utf-8"?>
 <p:sld xmlns:a="http://schemas.openxmlformats.org/drawingml/2006/main" xmlns:r="http://schemas.openxmlformats.org/officeDocument/2006/relationships" xmlns:p="http://schemas.openxmlformats.org/presentationml/2006/main">
   <p:cSld>
     <p:spTree>
@@ -15801,15 +17469,6 @@
 </file>
 
 <file path=customXml/item1.xml><?xml version="1.0" encoding="utf-8"?>
-<?mso-contentType ?>
-<FormTemplates xmlns="http://schemas.microsoft.com/sharepoint/v3/contenttype/forms">
-  <Display>DocumentLibraryForm</Display>
-  <Edit>DocumentLibraryForm</Edit>
-  <New>DocumentLibraryForm</New>
-</FormTemplates>
-</file>
-
-<file path=customXml/item2.xml><?xml version="1.0" encoding="utf-8"?>
 <ct:contentTypeSchema xmlns:ct="http://schemas.microsoft.com/office/2006/metadata/contentType" xmlns:ma="http://schemas.microsoft.com/office/2006/metadata/properties/metaAttributes" ct:_="" ma:_="" ma:contentTypeName="Document" ma:contentTypeID="0x01010079F111ED35F8CC479449609E8A0923A6" ma:contentTypeVersion="28" ma:contentTypeDescription="Create a new document." ma:contentTypeScope="" ma:versionID="60f5a4f2d2b0abadcf532d48ebf9cb71">
   <xsd:schema xmlns:xsd="http://www.w3.org/2001/XMLSchema" xmlns:xs="http://www.w3.org/2001/XMLSchema" xmlns:p="http://schemas.microsoft.com/office/2006/metadata/properties" xmlns:ns1="http://schemas.microsoft.com/sharepoint/v3" xmlns:ns2="71af3243-3dd4-4a8d-8c0d-dd76da1f02a5" xmlns:ns3="16c05727-aa75-4e4a-9b5f-8a80a1165891" xmlns:ns4="230e9df3-be65-4c73-a93b-d1236ebd677e" targetNamespace="http://schemas.microsoft.com/office/2006/metadata/properties" ma:root="true" ma:fieldsID="7dd78129e6a1811f84807ad11c651531" ns1:_="" ns2:_="" ns3:_="" ns4:_="">
     <xsd:import namespace="http://schemas.microsoft.com/sharepoint/v3"/>
@@ -16121,6 +17780,15 @@
 </ct:contentTypeSchema>
 </file>
 
+<file path=customXml/item2.xml><?xml version="1.0" encoding="utf-8"?>
+<?mso-contentType ?>
+<FormTemplates xmlns="http://schemas.microsoft.com/sharepoint/v3/contenttype/forms">
+  <Display>DocumentLibraryForm</Display>
+  <Edit>DocumentLibraryForm</Edit>
+  <New>DocumentLibraryForm</New>
+</FormTemplates>
+</file>
+
 <file path=customXml/item3.xml><?xml version="1.0" encoding="utf-8"?>
 <p:properties xmlns:p="http://schemas.microsoft.com/office/2006/metadata/properties" xmlns:xsi="http://www.w3.org/2001/XMLSchema-instance" xmlns:pc="http://schemas.microsoft.com/office/infopath/2007/PartnerControls">
   <documentManagement>
@@ -16142,14 +17810,6 @@
 </file>
 
 <file path=customXml/itemProps1.xml><?xml version="1.0" encoding="utf-8"?>
-<ds:datastoreItem xmlns:ds="http://schemas.openxmlformats.org/officeDocument/2006/customXml" ds:itemID="{6F36CB81-A037-44A8-88EB-C0C0F17FD4B1}">
-  <ds:schemaRefs>
-    <ds:schemaRef ds:uri="http://schemas.microsoft.com/sharepoint/v3/contenttype/forms"/>
-  </ds:schemaRefs>
-</ds:datastoreItem>
-</file>
-
-<file path=customXml/itemProps2.xml><?xml version="1.0" encoding="utf-8"?>
 <ds:datastoreItem xmlns:ds="http://schemas.openxmlformats.org/officeDocument/2006/customXml" ds:itemID="{2C1AA24C-4CA6-40FF-8947-DA1F6F47456C}">
   <ds:schemaRefs>
     <ds:schemaRef ds:uri="http://schemas.microsoft.com/office/2006/metadata/contentType"/>
@@ -16170,6 +17830,14 @@
 </ds:datastoreItem>
 </file>
 
+<file path=customXml/itemProps2.xml><?xml version="1.0" encoding="utf-8"?>
+<ds:datastoreItem xmlns:ds="http://schemas.openxmlformats.org/officeDocument/2006/customXml" ds:itemID="{6F36CB81-A037-44A8-88EB-C0C0F17FD4B1}">
+  <ds:schemaRefs>
+    <ds:schemaRef ds:uri="http://schemas.microsoft.com/sharepoint/v3/contenttype/forms"/>
+  </ds:schemaRefs>
+</ds:datastoreItem>
+</file>
+
 <file path=customXml/itemProps3.xml><?xml version="1.0" encoding="utf-8"?>
 <ds:datastoreItem xmlns:ds="http://schemas.openxmlformats.org/officeDocument/2006/customXml" ds:itemID="{57FF477C-132F-44F8-8C56-EBFF95FAF97B}">
   <ds:schemaRefs>
